--- a/Documentación/ppts/hito 2/PPT Fabio Urrea(1).pptx
+++ b/Documentación/ppts/hito 2/PPT Fabio Urrea(1).pptx
@@ -239,7 +239,7 @@
           <a:p>
             <a:fld id="{89347D60-E39B-E041-B6CE-3FDC1A8BB989}" type="datetimeFigureOut">
               <a:rPr lang="es-ES_tradnl" smtClean="0"/>
-              <a:t>03/06/2023</a:t>
+              <a:t>12/07/2023</a:t>
             </a:fld>
             <a:endParaRPr lang="es-ES_tradnl"/>
           </a:p>
@@ -3949,7 +3949,7 @@
           <a:p>
             <a:fld id="{6FD36221-589F-2846-B89B-D09559D774BF}" type="datetimeFigureOut">
               <a:rPr lang="es-ES_tradnl" smtClean="0"/>
-              <a:t>03/06/2023</a:t>
+              <a:t>12/07/2023</a:t>
             </a:fld>
             <a:endParaRPr lang="es-ES_tradnl"/>
           </a:p>
@@ -4114,7 +4114,7 @@
           <a:p>
             <a:fld id="{6FD36221-589F-2846-B89B-D09559D774BF}" type="datetimeFigureOut">
               <a:rPr lang="es-ES_tradnl" smtClean="0"/>
-              <a:t>03/06/2023</a:t>
+              <a:t>12/07/2023</a:t>
             </a:fld>
             <a:endParaRPr lang="es-ES_tradnl"/>
           </a:p>
@@ -4289,7 +4289,7 @@
           <a:p>
             <a:fld id="{6FD36221-589F-2846-B89B-D09559D774BF}" type="datetimeFigureOut">
               <a:rPr lang="es-ES_tradnl" smtClean="0"/>
-              <a:t>03/06/2023</a:t>
+              <a:t>12/07/2023</a:t>
             </a:fld>
             <a:endParaRPr lang="es-ES_tradnl"/>
           </a:p>
@@ -4454,7 +4454,7 @@
           <a:p>
             <a:fld id="{6FD36221-589F-2846-B89B-D09559D774BF}" type="datetimeFigureOut">
               <a:rPr lang="es-ES_tradnl" smtClean="0"/>
-              <a:t>03/06/2023</a:t>
+              <a:t>12/07/2023</a:t>
             </a:fld>
             <a:endParaRPr lang="es-ES_tradnl"/>
           </a:p>
@@ -4693,7 +4693,7 @@
           <a:p>
             <a:fld id="{6FD36221-589F-2846-B89B-D09559D774BF}" type="datetimeFigureOut">
               <a:rPr lang="es-ES_tradnl" smtClean="0"/>
-              <a:t>03/06/2023</a:t>
+              <a:t>12/07/2023</a:t>
             </a:fld>
             <a:endParaRPr lang="es-ES_tradnl"/>
           </a:p>
@@ -4920,7 +4920,7 @@
           <a:p>
             <a:fld id="{6FD36221-589F-2846-B89B-D09559D774BF}" type="datetimeFigureOut">
               <a:rPr lang="es-ES_tradnl" smtClean="0"/>
-              <a:t>03/06/2023</a:t>
+              <a:t>12/07/2023</a:t>
             </a:fld>
             <a:endParaRPr lang="es-ES_tradnl"/>
           </a:p>
@@ -5282,7 +5282,7 @@
           <a:p>
             <a:fld id="{6FD36221-589F-2846-B89B-D09559D774BF}" type="datetimeFigureOut">
               <a:rPr lang="es-ES_tradnl" smtClean="0"/>
-              <a:t>03/06/2023</a:t>
+              <a:t>12/07/2023</a:t>
             </a:fld>
             <a:endParaRPr lang="es-ES_tradnl"/>
           </a:p>
@@ -5395,7 +5395,7 @@
           <a:p>
             <a:fld id="{6FD36221-589F-2846-B89B-D09559D774BF}" type="datetimeFigureOut">
               <a:rPr lang="es-ES_tradnl" smtClean="0"/>
-              <a:t>03/06/2023</a:t>
+              <a:t>12/07/2023</a:t>
             </a:fld>
             <a:endParaRPr lang="es-ES_tradnl"/>
           </a:p>
@@ -5485,7 +5485,7 @@
           <a:p>
             <a:fld id="{6FD36221-589F-2846-B89B-D09559D774BF}" type="datetimeFigureOut">
               <a:rPr lang="es-ES_tradnl" smtClean="0"/>
-              <a:t>03/06/2023</a:t>
+              <a:t>12/07/2023</a:t>
             </a:fld>
             <a:endParaRPr lang="es-ES_tradnl"/>
           </a:p>
@@ -5757,7 +5757,7 @@
           <a:p>
             <a:fld id="{6FD36221-589F-2846-B89B-D09559D774BF}" type="datetimeFigureOut">
               <a:rPr lang="es-ES_tradnl" smtClean="0"/>
-              <a:t>03/06/2023</a:t>
+              <a:t>12/07/2023</a:t>
             </a:fld>
             <a:endParaRPr lang="es-ES_tradnl"/>
           </a:p>
@@ -6009,7 +6009,7 @@
           <a:p>
             <a:fld id="{6FD36221-589F-2846-B89B-D09559D774BF}" type="datetimeFigureOut">
               <a:rPr lang="es-ES_tradnl" smtClean="0"/>
-              <a:t>03/06/2023</a:t>
+              <a:t>12/07/2023</a:t>
             </a:fld>
             <a:endParaRPr lang="es-ES_tradnl"/>
           </a:p>
@@ -6217,7 +6217,7 @@
           <a:p>
             <a:fld id="{6FD36221-589F-2846-B89B-D09559D774BF}" type="datetimeFigureOut">
               <a:rPr lang="es-ES_tradnl" smtClean="0"/>
-              <a:t>03/06/2023</a:t>
+              <a:t>12/07/2023</a:t>
             </a:fld>
             <a:endParaRPr lang="es-ES_tradnl"/>
           </a:p>
@@ -27054,6 +27054,15 @@
 </file>
 
 <file path=customXml/item1.xml><?xml version="1.0" encoding="utf-8"?>
+<?mso-contentType ?>
+<FormTemplates xmlns="http://schemas.microsoft.com/sharepoint/v3/contenttype/forms">
+  <Display>DocumentLibraryForm</Display>
+  <Edit>DocumentLibraryForm</Edit>
+  <New>DocumentLibraryForm</New>
+</FormTemplates>
+</file>
+
+<file path=customXml/item2.xml><?xml version="1.0" encoding="utf-8"?>
 <ct:contentTypeSchema xmlns:ct="http://schemas.microsoft.com/office/2006/metadata/contentType" xmlns:ma="http://schemas.microsoft.com/office/2006/metadata/properties/metaAttributes" ct:_="" ma:_="" ma:contentTypeName="Documento" ma:contentTypeID="0x01010023E636E5ADFFDD4593589394D25615CE" ma:contentTypeVersion="11" ma:contentTypeDescription="Crear nuevo documento." ma:contentTypeScope="" ma:versionID="c9d6f11e93cbbae055e64b4141ef6ad7">
   <xsd:schema xmlns:xsd="http://www.w3.org/2001/XMLSchema" xmlns:xs="http://www.w3.org/2001/XMLSchema" xmlns:p="http://schemas.microsoft.com/office/2006/metadata/properties" xmlns:ns2="adf9ee4f-d874-4566-a6bd-f47c69edf255" targetNamespace="http://schemas.microsoft.com/office/2006/metadata/properties" ma:root="true" ma:fieldsID="8452246f49e401657b72a401ee0d06fa" ns2:_="">
     <xsd:import namespace="adf9ee4f-d874-4566-a6bd-f47c69edf255"/>
@@ -27243,15 +27252,6 @@
 </ct:contentTypeSchema>
 </file>
 
-<file path=customXml/item2.xml><?xml version="1.0" encoding="utf-8"?>
-<?mso-contentType ?>
-<FormTemplates xmlns="http://schemas.microsoft.com/sharepoint/v3/contenttype/forms">
-  <Display>DocumentLibraryForm</Display>
-  <Edit>DocumentLibraryForm</Edit>
-  <New>DocumentLibraryForm</New>
-</FormTemplates>
-</file>
-
 <file path=customXml/item3.xml><?xml version="1.0" encoding="utf-8"?>
 <p:properties xmlns:p="http://schemas.microsoft.com/office/2006/metadata/properties" xmlns:xsi="http://www.w3.org/2001/XMLSchema-instance" xmlns:pc="http://schemas.microsoft.com/office/infopath/2007/PartnerControls">
   <documentManagement/>
@@ -27259,6 +27259,14 @@
 </file>
 
 <file path=customXml/itemProps1.xml><?xml version="1.0" encoding="utf-8"?>
+<ds:datastoreItem xmlns:ds="http://schemas.openxmlformats.org/officeDocument/2006/customXml" ds:itemID="{F9838043-3F32-429D-9CE1-832CB673F6AE}">
+  <ds:schemaRefs>
+    <ds:schemaRef ds:uri="http://schemas.microsoft.com/sharepoint/v3/contenttype/forms"/>
+  </ds:schemaRefs>
+</ds:datastoreItem>
+</file>
+
+<file path=customXml/itemProps2.xml><?xml version="1.0" encoding="utf-8"?>
 <ds:datastoreItem xmlns:ds="http://schemas.openxmlformats.org/officeDocument/2006/customXml" ds:itemID="{8374F943-B1C6-4327-A0CA-911E75BEC1A0}">
   <ds:schemaRefs>
     <ds:schemaRef ds:uri="http://schemas.microsoft.com/office/2006/metadata/contentType"/>
@@ -27272,14 +27280,6 @@
     <ds:schemaRef ds:uri="http://purl.org/dc/elements/1.1/"/>
     <ds:schemaRef ds:uri="http://purl.org/dc/terms/"/>
     <ds:schemaRef ds:uri="http://schemas.microsoft.com/internal/obd"/>
-  </ds:schemaRefs>
-</ds:datastoreItem>
-</file>
-
-<file path=customXml/itemProps2.xml><?xml version="1.0" encoding="utf-8"?>
-<ds:datastoreItem xmlns:ds="http://schemas.openxmlformats.org/officeDocument/2006/customXml" ds:itemID="{F9838043-3F32-429D-9CE1-832CB673F6AE}">
-  <ds:schemaRefs>
-    <ds:schemaRef ds:uri="http://schemas.microsoft.com/sharepoint/v3/contenttype/forms"/>
   </ds:schemaRefs>
 </ds:datastoreItem>
 </file>
